--- a/papers/Presentation Papers/Presentation_Info.pptx
+++ b/papers/Presentation Papers/Presentation_Info.pptx
@@ -119,6 +119,11 @@
       </a:defRPr>
     </a:lvl9pPr>
   </p:defaultTextStyle>
+  <p:extLst>
+    <p:ext uri="{EFAFB233-063F-42B5-8137-9DF3F51BA10A}">
+      <p15:sldGuideLst xmlns:p15="http://schemas.microsoft.com/office/powerpoint/2012/main"/>
+    </p:ext>
+  </p:extLst>
 </p:presentation>
 </file>
 
@@ -217,7 +222,7 @@
           <a:effectLst/>
           <a:extLst>
             <a:ext uri="{91240B29-F687-4f45-9708-019B960494DF}">
-              <a14:hiddenLine xmlns:a14="http://schemas.microsoft.com/office/drawing/2010/main" xmlns="" w="9525">
+              <a14:hiddenLine xmlns="" xmlns:a14="http://schemas.microsoft.com/office/drawing/2010/main" w="9525">
                 <a:solidFill>
                   <a:srgbClr val="000000"/>
                 </a:solidFill>
@@ -409,7 +414,7 @@
           <a:p>
             <a:fld id="{3FCA6BAC-FA03-4867-A248-B136F1FCECE1}" type="datetimeFigureOut">
               <a:rPr lang="en-US" smtClean="0"/>
-              <a:t>11/6/2023</a:t>
+              <a:t>11/8/2023</a:t>
             </a:fld>
             <a:endParaRPr lang="en-US"/>
           </a:p>
@@ -727,7 +732,7 @@
           <a:p>
             <a:fld id="{3FCA6BAC-FA03-4867-A248-B136F1FCECE1}" type="datetimeFigureOut">
               <a:rPr lang="en-US" smtClean="0"/>
-              <a:t>11/6/2023</a:t>
+              <a:t>11/8/2023</a:t>
             </a:fld>
             <a:endParaRPr lang="en-US"/>
           </a:p>
@@ -1215,7 +1220,7 @@
           <a:p>
             <a:fld id="{3FCA6BAC-FA03-4867-A248-B136F1FCECE1}" type="datetimeFigureOut">
               <a:rPr lang="en-US" smtClean="0"/>
-              <a:t>11/6/2023</a:t>
+              <a:t>11/8/2023</a:t>
             </a:fld>
             <a:endParaRPr lang="en-US"/>
           </a:p>
@@ -1584,7 +1589,7 @@
           <a:p>
             <a:fld id="{3FCA6BAC-FA03-4867-A248-B136F1FCECE1}" type="datetimeFigureOut">
               <a:rPr lang="en-US" smtClean="0"/>
-              <a:t>11/6/2023</a:t>
+              <a:t>11/8/2023</a:t>
             </a:fld>
             <a:endParaRPr lang="en-US"/>
           </a:p>
@@ -1739,7 +1744,7 @@
           <a:ln/>
           <a:extLst>
             <a:ext uri="{91240B29-F687-4f45-9708-019B960494DF}">
-              <a14:hiddenLine xmlns:a14="http://schemas.microsoft.com/office/drawing/2010/main" xmlns="" w="9525">
+              <a14:hiddenLine xmlns="" xmlns:a14="http://schemas.microsoft.com/office/drawing/2010/main" w="9525">
                 <a:solidFill>
                   <a:srgbClr val="000000"/>
                 </a:solidFill>
@@ -1857,7 +1862,7 @@
           <a:p>
             <a:fld id="{3FCA6BAC-FA03-4867-A248-B136F1FCECE1}" type="datetimeFigureOut">
               <a:rPr lang="en-US" smtClean="0"/>
-              <a:t>11/6/2023</a:t>
+              <a:t>11/8/2023</a:t>
             </a:fld>
             <a:endParaRPr lang="en-US"/>
           </a:p>
@@ -2014,7 +2019,7 @@
           <a:ln/>
           <a:extLst>
             <a:ext uri="{91240B29-F687-4f45-9708-019B960494DF}">
-              <a14:hiddenLine xmlns:a14="http://schemas.microsoft.com/office/drawing/2010/main" xmlns="" w="9525">
+              <a14:hiddenLine xmlns="" xmlns:a14="http://schemas.microsoft.com/office/drawing/2010/main" w="9525">
                 <a:solidFill>
                   <a:srgbClr val="000000"/>
                 </a:solidFill>
@@ -2142,7 +2147,7 @@
           <a:p>
             <a:fld id="{3FCA6BAC-FA03-4867-A248-B136F1FCECE1}" type="datetimeFigureOut">
               <a:rPr lang="en-US" smtClean="0"/>
-              <a:t>11/6/2023</a:t>
+              <a:t>11/8/2023</a:t>
             </a:fld>
             <a:endParaRPr lang="en-US"/>
           </a:p>
@@ -2297,7 +2302,7 @@
           <a:ln/>
           <a:extLst>
             <a:ext uri="{91240B29-F687-4f45-9708-019B960494DF}">
-              <a14:hiddenLine xmlns:a14="http://schemas.microsoft.com/office/drawing/2010/main" xmlns="" w="9525">
+              <a14:hiddenLine xmlns="" xmlns:a14="http://schemas.microsoft.com/office/drawing/2010/main" w="9525">
                 <a:solidFill>
                   <a:srgbClr val="000000"/>
                 </a:solidFill>
@@ -2425,7 +2430,7 @@
           <a:p>
             <a:fld id="{3FCA6BAC-FA03-4867-A248-B136F1FCECE1}" type="datetimeFigureOut">
               <a:rPr lang="en-US" smtClean="0"/>
-              <a:t>11/6/2023</a:t>
+              <a:t>11/8/2023</a:t>
             </a:fld>
             <a:endParaRPr lang="en-US"/>
           </a:p>
@@ -2768,7 +2773,7 @@
           <a:p>
             <a:fld id="{3FCA6BAC-FA03-4867-A248-B136F1FCECE1}" type="datetimeFigureOut">
               <a:rPr lang="en-US" smtClean="0"/>
-              <a:t>11/6/2023</a:t>
+              <a:t>11/8/2023</a:t>
             </a:fld>
             <a:endParaRPr lang="en-US"/>
           </a:p>
@@ -2923,7 +2928,7 @@
           <a:ln/>
           <a:extLst>
             <a:ext uri="{91240B29-F687-4f45-9708-019B960494DF}">
-              <a14:hiddenLine xmlns:a14="http://schemas.microsoft.com/office/drawing/2010/main" xmlns="" w="9525">
+              <a14:hiddenLine xmlns="" xmlns:a14="http://schemas.microsoft.com/office/drawing/2010/main" w="9525">
                 <a:solidFill>
                   <a:srgbClr val="000000"/>
                 </a:solidFill>
@@ -3107,7 +3112,7 @@
           <a:p>
             <a:fld id="{3FCA6BAC-FA03-4867-A248-B136F1FCECE1}" type="datetimeFigureOut">
               <a:rPr lang="en-US" smtClean="0"/>
-              <a:t>11/6/2023</a:t>
+              <a:t>11/8/2023</a:t>
             </a:fld>
             <a:endParaRPr lang="en-US"/>
           </a:p>
@@ -3262,7 +3267,7 @@
           <a:ln/>
           <a:extLst>
             <a:ext uri="{91240B29-F687-4f45-9708-019B960494DF}">
-              <a14:hiddenLine xmlns:a14="http://schemas.microsoft.com/office/drawing/2010/main" xmlns="" w="9525">
+              <a14:hiddenLine xmlns="" xmlns:a14="http://schemas.microsoft.com/office/drawing/2010/main" w="9525">
                 <a:solidFill>
                   <a:srgbClr val="000000"/>
                 </a:solidFill>
@@ -3584,7 +3589,7 @@
           <a:p>
             <a:fld id="{3FCA6BAC-FA03-4867-A248-B136F1FCECE1}" type="datetimeFigureOut">
               <a:rPr lang="en-US" smtClean="0"/>
-              <a:t>11/6/2023</a:t>
+              <a:t>11/8/2023</a:t>
             </a:fld>
             <a:endParaRPr lang="en-US"/>
           </a:p>
@@ -3739,7 +3744,7 @@
           <a:ln/>
           <a:extLst>
             <a:ext uri="{91240B29-F687-4f45-9708-019B960494DF}">
-              <a14:hiddenLine xmlns:a14="http://schemas.microsoft.com/office/drawing/2010/main" xmlns="" w="9525">
+              <a14:hiddenLine xmlns="" xmlns:a14="http://schemas.microsoft.com/office/drawing/2010/main" w="9525">
                 <a:solidFill>
                   <a:srgbClr val="000000"/>
                 </a:solidFill>
@@ -3805,7 +3810,7 @@
           <a:p>
             <a:fld id="{3FCA6BAC-FA03-4867-A248-B136F1FCECE1}" type="datetimeFigureOut">
               <a:rPr lang="en-US" smtClean="0"/>
-              <a:t>11/6/2023</a:t>
+              <a:t>11/8/2023</a:t>
             </a:fld>
             <a:endParaRPr lang="en-US"/>
           </a:p>
@@ -3900,7 +3905,7 @@
           <a:p>
             <a:fld id="{3FCA6BAC-FA03-4867-A248-B136F1FCECE1}" type="datetimeFigureOut">
               <a:rPr lang="en-US" smtClean="0"/>
-              <a:t>11/6/2023</a:t>
+              <a:t>11/8/2023</a:t>
             </a:fld>
             <a:endParaRPr lang="en-US"/>
           </a:p>
@@ -4168,7 +4173,7 @@
           <a:ln/>
           <a:extLst>
             <a:ext uri="{91240B29-F687-4f45-9708-019B960494DF}">
-              <a14:hiddenLine xmlns:a14="http://schemas.microsoft.com/office/drawing/2010/main" xmlns="" w="9525">
+              <a14:hiddenLine xmlns="" xmlns:a14="http://schemas.microsoft.com/office/drawing/2010/main" w="9525">
                 <a:solidFill>
                   <a:srgbClr val="000000"/>
                 </a:solidFill>
@@ -4367,7 +4372,7 @@
           <a:p>
             <a:fld id="{3FCA6BAC-FA03-4867-A248-B136F1FCECE1}" type="datetimeFigureOut">
               <a:rPr lang="en-US" smtClean="0"/>
-              <a:t>11/6/2023</a:t>
+              <a:t>11/8/2023</a:t>
             </a:fld>
             <a:endParaRPr lang="en-US"/>
           </a:p>
@@ -4680,7 +4685,7 @@
           <a:p>
             <a:fld id="{3FCA6BAC-FA03-4867-A248-B136F1FCECE1}" type="datetimeFigureOut">
               <a:rPr lang="en-US" smtClean="0"/>
-              <a:t>11/6/2023</a:t>
+              <a:t>11/8/2023</a:t>
             </a:fld>
             <a:endParaRPr lang="en-US"/>
           </a:p>
@@ -4950,7 +4955,7 @@
           <a:p>
             <a:fld id="{3FCA6BAC-FA03-4867-A248-B136F1FCECE1}" type="datetimeFigureOut">
               <a:rPr lang="en-US" smtClean="0"/>
-              <a:t>11/6/2023</a:t>
+              <a:t>11/8/2023</a:t>
             </a:fld>
             <a:endParaRPr lang="en-US"/>
           </a:p>
@@ -7223,7 +7228,7 @@
         </p:spPr>
         <p:txBody>
           <a:bodyPr>
-            <a:normAutofit/>
+            <a:normAutofit lnSpcReduction="10000"/>
           </a:bodyPr>
           <a:lstStyle/>
           <a:p>
@@ -7263,6 +7268,13 @@
             <a:r>
               <a:rPr lang="en-US" sz="1800" dirty="0"/>
               <a:t>Trials? Manipulations? Type of prediction? Give us an example sentence</a:t>
+            </a:r>
+          </a:p>
+          <a:p>
+            <a:pPr lvl="1"/>
+            <a:r>
+              <a:rPr lang="en-US" sz="1800" dirty="0"/>
+              <a:t>Speech rate!</a:t>
             </a:r>
           </a:p>
           <a:p>
